--- a/teaching/2025Spring/3502/Project/project1.pptx
+++ b/teaching/2025Spring/3502/Project/project1.pptx
@@ -8,7 +8,8 @@
     <p:sldId id="256" r:id="rId2"/>
     <p:sldId id="257" r:id="rId3"/>
     <p:sldId id="258" r:id="rId4"/>
-    <p:sldId id="259" r:id="rId5"/>
+    <p:sldId id="260" r:id="rId5"/>
+    <p:sldId id="259" r:id="rId6"/>
   </p:sldIdLst>
   <p:sldSz cx="12192000" cy="6858000"/>
   <p:notesSz cx="6858000" cy="9144000"/>
@@ -262,7 +263,7 @@
           <a:p>
             <a:fld id="{2608E011-59A2-2443-B602-F5DCFD880E00}" type="datetimeFigureOut">
               <a:rPr lang="en-US" smtClean="0"/>
-              <a:t>10/22/23</a:t>
+              <a:t>12/16/24</a:t>
             </a:fld>
             <a:endParaRPr lang="en-US"/>
           </a:p>
@@ -460,7 +461,7 @@
           <a:p>
             <a:fld id="{2608E011-59A2-2443-B602-F5DCFD880E00}" type="datetimeFigureOut">
               <a:rPr lang="en-US" smtClean="0"/>
-              <a:t>10/22/23</a:t>
+              <a:t>12/16/24</a:t>
             </a:fld>
             <a:endParaRPr lang="en-US"/>
           </a:p>
@@ -668,7 +669,7 @@
           <a:p>
             <a:fld id="{2608E011-59A2-2443-B602-F5DCFD880E00}" type="datetimeFigureOut">
               <a:rPr lang="en-US" smtClean="0"/>
-              <a:t>10/22/23</a:t>
+              <a:t>12/16/24</a:t>
             </a:fld>
             <a:endParaRPr lang="en-US"/>
           </a:p>
@@ -866,7 +867,7 @@
           <a:p>
             <a:fld id="{2608E011-59A2-2443-B602-F5DCFD880E00}" type="datetimeFigureOut">
               <a:rPr lang="en-US" smtClean="0"/>
-              <a:t>10/22/23</a:t>
+              <a:t>12/16/24</a:t>
             </a:fld>
             <a:endParaRPr lang="en-US"/>
           </a:p>
@@ -1141,7 +1142,7 @@
           <a:p>
             <a:fld id="{2608E011-59A2-2443-B602-F5DCFD880E00}" type="datetimeFigureOut">
               <a:rPr lang="en-US" smtClean="0"/>
-              <a:t>10/22/23</a:t>
+              <a:t>12/16/24</a:t>
             </a:fld>
             <a:endParaRPr lang="en-US"/>
           </a:p>
@@ -1406,7 +1407,7 @@
           <a:p>
             <a:fld id="{2608E011-59A2-2443-B602-F5DCFD880E00}" type="datetimeFigureOut">
               <a:rPr lang="en-US" smtClean="0"/>
-              <a:t>10/22/23</a:t>
+              <a:t>12/16/24</a:t>
             </a:fld>
             <a:endParaRPr lang="en-US"/>
           </a:p>
@@ -1818,7 +1819,7 @@
           <a:p>
             <a:fld id="{2608E011-59A2-2443-B602-F5DCFD880E00}" type="datetimeFigureOut">
               <a:rPr lang="en-US" smtClean="0"/>
-              <a:t>10/22/23</a:t>
+              <a:t>12/16/24</a:t>
             </a:fld>
             <a:endParaRPr lang="en-US"/>
           </a:p>
@@ -1959,7 +1960,7 @@
           <a:p>
             <a:fld id="{2608E011-59A2-2443-B602-F5DCFD880E00}" type="datetimeFigureOut">
               <a:rPr lang="en-US" smtClean="0"/>
-              <a:t>10/22/23</a:t>
+              <a:t>12/16/24</a:t>
             </a:fld>
             <a:endParaRPr lang="en-US"/>
           </a:p>
@@ -2072,7 +2073,7 @@
           <a:p>
             <a:fld id="{2608E011-59A2-2443-B602-F5DCFD880E00}" type="datetimeFigureOut">
               <a:rPr lang="en-US" smtClean="0"/>
-              <a:t>10/22/23</a:t>
+              <a:t>12/16/24</a:t>
             </a:fld>
             <a:endParaRPr lang="en-US"/>
           </a:p>
@@ -2383,7 +2384,7 @@
           <a:p>
             <a:fld id="{2608E011-59A2-2443-B602-F5DCFD880E00}" type="datetimeFigureOut">
               <a:rPr lang="en-US" smtClean="0"/>
-              <a:t>10/22/23</a:t>
+              <a:t>12/16/24</a:t>
             </a:fld>
             <a:endParaRPr lang="en-US"/>
           </a:p>
@@ -2671,7 +2672,7 @@
           <a:p>
             <a:fld id="{2608E011-59A2-2443-B602-F5DCFD880E00}" type="datetimeFigureOut">
               <a:rPr lang="en-US" smtClean="0"/>
-              <a:t>10/22/23</a:t>
+              <a:t>12/16/24</a:t>
             </a:fld>
             <a:endParaRPr lang="en-US"/>
           </a:p>
@@ -2912,7 +2913,7 @@
           <a:p>
             <a:fld id="{2608E011-59A2-2443-B602-F5DCFD880E00}" type="datetimeFigureOut">
               <a:rPr lang="en-US" smtClean="0"/>
-              <a:t>10/22/23</a:t>
+              <a:t>12/16/24</a:t>
             </a:fld>
             <a:endParaRPr lang="en-US"/>
           </a:p>
@@ -4827,6 +4828,257 @@
   <p:cSld>
     <p:spTree>
       <p:nvGrpSpPr>
+        <p:cNvPr id="1" name="">
+          <a:extLst>
+            <a:ext uri="{FF2B5EF4-FFF2-40B4-BE49-F238E27FC236}">
+              <a16:creationId xmlns:a16="http://schemas.microsoft.com/office/drawing/2014/main" id="{5A66BCC7-9D18-4428-A369-0EFD35E1D0B9}"/>
+            </a:ext>
+          </a:extLst>
+        </p:cNvPr>
+        <p:cNvGrpSpPr/>
+        <p:nvPr/>
+      </p:nvGrpSpPr>
+      <p:grpSpPr>
+        <a:xfrm>
+          <a:off x="0" y="0"/>
+          <a:ext cx="0" cy="0"/>
+          <a:chOff x="0" y="0"/>
+          <a:chExt cx="0" cy="0"/>
+        </a:xfrm>
+      </p:grpSpPr>
+      <p:sp>
+        <p:nvSpPr>
+          <p:cNvPr id="6" name="Rectangle 5">
+            <a:extLst>
+              <a:ext uri="{FF2B5EF4-FFF2-40B4-BE49-F238E27FC236}">
+                <a16:creationId xmlns:a16="http://schemas.microsoft.com/office/drawing/2014/main" id="{F952490A-6261-657A-CCFD-A526B24BE287}"/>
+              </a:ext>
+            </a:extLst>
+          </p:cNvPr>
+          <p:cNvSpPr/>
+          <p:nvPr/>
+        </p:nvSpPr>
+        <p:spPr>
+          <a:xfrm>
+            <a:off x="1324303" y="1639614"/>
+            <a:ext cx="8586952" cy="4099034"/>
+          </a:xfrm>
+          <a:prstGeom prst="rect">
+            <a:avLst/>
+          </a:prstGeom>
+          <a:solidFill>
+            <a:schemeClr val="tx1"/>
+          </a:solidFill>
+        </p:spPr>
+        <p:style>
+          <a:lnRef idx="2">
+            <a:schemeClr val="accent1">
+              <a:shade val="15000"/>
+            </a:schemeClr>
+          </a:lnRef>
+          <a:fillRef idx="1">
+            <a:schemeClr val="accent1"/>
+          </a:fillRef>
+          <a:effectRef idx="0">
+            <a:schemeClr val="accent1"/>
+          </a:effectRef>
+          <a:fontRef idx="minor">
+            <a:schemeClr val="lt1"/>
+          </a:fontRef>
+        </p:style>
+        <p:txBody>
+          <a:bodyPr rtlCol="0" anchor="ctr"/>
+          <a:lstStyle/>
+          <a:p>
+            <a:pPr algn="ctr"/>
+            <a:endParaRPr lang="en-US" dirty="0"/>
+          </a:p>
+        </p:txBody>
+      </p:sp>
+      <p:sp>
+        <p:nvSpPr>
+          <p:cNvPr id="7" name="TextBox 6">
+            <a:extLst>
+              <a:ext uri="{FF2B5EF4-FFF2-40B4-BE49-F238E27FC236}">
+                <a16:creationId xmlns:a16="http://schemas.microsoft.com/office/drawing/2014/main" id="{DD820E99-B4E5-8B28-7C84-65AD5D742F00}"/>
+              </a:ext>
+            </a:extLst>
+          </p:cNvPr>
+          <p:cNvSpPr txBox="1"/>
+          <p:nvPr/>
+        </p:nvSpPr>
+        <p:spPr>
+          <a:xfrm>
+            <a:off x="2783139" y="2673468"/>
+            <a:ext cx="5203732" cy="2031325"/>
+          </a:xfrm>
+          <a:prstGeom prst="rect">
+            <a:avLst/>
+          </a:prstGeom>
+          <a:noFill/>
+        </p:spPr>
+        <p:txBody>
+          <a:bodyPr wrap="none" rtlCol="0">
+            <a:spAutoFit/>
+          </a:bodyPr>
+          <a:lstStyle/>
+          <a:p>
+            <a:r>
+              <a:rPr lang="en-US" dirty="0">
+                <a:solidFill>
+                  <a:schemeClr val="bg1"/>
+                </a:solidFill>
+              </a:rPr>
+              <a:t>The number of substrings thread 1 found </a:t>
+            </a:r>
+            <a:r>
+              <a:rPr lang="en-US" dirty="0">
+                <a:solidFill>
+                  <a:schemeClr val="bg1"/>
+                </a:solidFill>
+                <a:highlight>
+                  <a:srgbClr val="0000FF"/>
+                </a:highlight>
+              </a:rPr>
+              <a:t>by Sisi </a:t>
+            </a:r>
+            <a:r>
+              <a:rPr lang="en-US" dirty="0">
+                <a:solidFill>
+                  <a:schemeClr val="bg1"/>
+                </a:solidFill>
+              </a:rPr>
+              <a:t>is ...</a:t>
+            </a:r>
+          </a:p>
+          <a:p>
+            <a:endParaRPr lang="en-US" dirty="0">
+              <a:solidFill>
+                <a:schemeClr val="bg1"/>
+              </a:solidFill>
+            </a:endParaRPr>
+          </a:p>
+          <a:p>
+            <a:r>
+              <a:rPr lang="en-US" dirty="0">
+                <a:solidFill>
+                  <a:schemeClr val="bg1"/>
+                </a:solidFill>
+              </a:rPr>
+              <a:t>The number of substrings thread 2 found </a:t>
+            </a:r>
+            <a:r>
+              <a:rPr lang="en-US" dirty="0">
+                <a:solidFill>
+                  <a:schemeClr val="bg1"/>
+                </a:solidFill>
+                <a:highlight>
+                  <a:srgbClr val="0000FF"/>
+                </a:highlight>
+              </a:rPr>
+              <a:t>by Sisi</a:t>
+            </a:r>
+            <a:r>
+              <a:rPr lang="en-US" dirty="0">
+                <a:solidFill>
+                  <a:schemeClr val="bg1"/>
+                </a:solidFill>
+              </a:rPr>
+              <a:t> is ...</a:t>
+            </a:r>
+          </a:p>
+          <a:p>
+            <a:endParaRPr lang="en-US" dirty="0">
+              <a:solidFill>
+                <a:schemeClr val="bg1"/>
+              </a:solidFill>
+            </a:endParaRPr>
+          </a:p>
+          <a:p>
+            <a:r>
+              <a:rPr lang="en-US" dirty="0">
+                <a:solidFill>
+                  <a:schemeClr val="bg1"/>
+                </a:solidFill>
+              </a:rPr>
+              <a:t>The number of substrings thread 10 found </a:t>
+            </a:r>
+            <a:r>
+              <a:rPr lang="en-US" dirty="0">
+                <a:solidFill>
+                  <a:schemeClr val="bg1"/>
+                </a:solidFill>
+                <a:highlight>
+                  <a:srgbClr val="0000FF"/>
+                </a:highlight>
+              </a:rPr>
+              <a:t>by Sisi</a:t>
+            </a:r>
+            <a:r>
+              <a:rPr lang="en-US" dirty="0">
+                <a:solidFill>
+                  <a:schemeClr val="bg1"/>
+                </a:solidFill>
+              </a:rPr>
+              <a:t> is ...</a:t>
+            </a:r>
+          </a:p>
+          <a:p>
+            <a:endParaRPr lang="en-US" dirty="0">
+              <a:solidFill>
+                <a:schemeClr val="bg1"/>
+              </a:solidFill>
+            </a:endParaRPr>
+          </a:p>
+          <a:p>
+            <a:r>
+              <a:rPr lang="en-US" dirty="0">
+                <a:solidFill>
+                  <a:schemeClr val="bg1"/>
+                </a:solidFill>
+              </a:rPr>
+              <a:t>Total substrings found by </a:t>
+            </a:r>
+            <a:r>
+              <a:rPr lang="en-US" dirty="0">
+                <a:solidFill>
+                  <a:schemeClr val="bg1"/>
+                </a:solidFill>
+                <a:highlight>
+                  <a:srgbClr val="0000FF"/>
+                </a:highlight>
+              </a:rPr>
+              <a:t>by Sisi</a:t>
+            </a:r>
+            <a:r>
+              <a:rPr lang="en-US" dirty="0">
+                <a:solidFill>
+                  <a:schemeClr val="bg1"/>
+                </a:solidFill>
+              </a:rPr>
+              <a:t> is ...</a:t>
+            </a:r>
+          </a:p>
+        </p:txBody>
+      </p:sp>
+    </p:spTree>
+    <p:extLst>
+      <p:ext uri="{BB962C8B-B14F-4D97-AF65-F5344CB8AC3E}">
+        <p14:creationId xmlns:p14="http://schemas.microsoft.com/office/powerpoint/2010/main" val="2042521776"/>
+      </p:ext>
+    </p:extLst>
+  </p:cSld>
+  <p:clrMapOvr>
+    <a:masterClrMapping/>
+  </p:clrMapOvr>
+</p:sld>
+</file>
+
+<file path=ppt/slides/slide5.xml><?xml version="1.0" encoding="utf-8"?>
+<p:sld xmlns:a="http://schemas.openxmlformats.org/drawingml/2006/main" xmlns:r="http://schemas.openxmlformats.org/officeDocument/2006/relationships" xmlns:p="http://schemas.openxmlformats.org/presentationml/2006/main">
+  <p:cSld>
+    <p:spTree>
+      <p:nvGrpSpPr>
         <p:cNvPr id="1" name=""/>
         <p:cNvGrpSpPr/>
         <p:nvPr/>
